--- a/Visualization And Acquisition Final.pptx
+++ b/Visualization And Acquisition Final.pptx
@@ -11001,7 +11001,7 @@
                 <a:sym typeface="Montserrat"/>
                 <a:hlinkClick r:id="rId3"/>
               </a:rPr>
-              <a:t>https://github.com/your-username/happiness-dashboard-final</a:t>
+              <a:t>https://github.com/ArjunMandakath/HappinessDashboardFinal</a:t>
             </a:r>
             <a:endParaRPr i="1" sz="1800">
               <a:latin typeface="Montserrat"/>
